--- a/apresentação projeto final.pptx
+++ b/apresentação projeto final.pptx
@@ -3823,7 +3823,7 @@
             <a:pPr algn="ctr"/>
             <a:r>
               <a:rPr lang="pt-BR" altLang="en-US"/>
-              <a:t>Cursos totalmente a distância(slide pra ganhar tempo se precisar);</a:t>
+              <a:t>Cursos totalmente a distância;</a:t>
             </a:r>
             <a:endParaRPr lang="pt-BR" altLang="en-US"/>
           </a:p>
@@ -4371,7 +4371,7 @@
             </a:br>
             <a:r>
               <a:rPr lang="pt-BR" altLang="en-US"/>
-              <a:t>Ao término de um curso você terá uma opção de feedback liberada no footer de qualquer página do site para informar melhorias e inovações para a plataforma;</a:t>
+              <a:t>Ao término de um curso você terá uma opção de feedback liberada para informar melhorias e inovações para a plataforma;</a:t>
             </a:r>
             <a:endParaRPr lang="pt-BR" altLang="en-US"/>
           </a:p>
@@ -4465,10 +4465,6 @@
         <p:txBody>
           <a:bodyPr/>
           <a:p>
-            <a:r>
-              <a:rPr lang="pt-BR" altLang="en-US"/>
-              <a:t>ir para o site;</a:t>
-            </a:r>
             <a:endParaRPr lang="pt-BR" altLang="en-US"/>
           </a:p>
         </p:txBody>
